--- a/DivyaaAitipamula_TermProject.pptx
+++ b/DivyaaAitipamula_TermProject.pptx
@@ -5928,7 +5928,7 @@
           <a:p>
             <a:fld id="{42F1C606-C3BF-4694-8057-638B4714612D}" type="datetimeFigureOut">
               <a:rPr lang="en-US" smtClean="0"/>
-              <a:t>11/30/2023</a:t>
+              <a:t>4/7/2024</a:t>
             </a:fld>
             <a:endParaRPr lang="en-US"/>
           </a:p>
@@ -6126,7 +6126,7 @@
           <a:p>
             <a:fld id="{42F1C606-C3BF-4694-8057-638B4714612D}" type="datetimeFigureOut">
               <a:rPr lang="en-US" smtClean="0"/>
-              <a:t>11/30/2023</a:t>
+              <a:t>4/7/2024</a:t>
             </a:fld>
             <a:endParaRPr lang="en-US"/>
           </a:p>
@@ -6334,7 +6334,7 @@
           <a:p>
             <a:fld id="{42F1C606-C3BF-4694-8057-638B4714612D}" type="datetimeFigureOut">
               <a:rPr lang="en-US" smtClean="0"/>
-              <a:t>11/30/2023</a:t>
+              <a:t>4/7/2024</a:t>
             </a:fld>
             <a:endParaRPr lang="en-US"/>
           </a:p>
@@ -6532,7 +6532,7 @@
           <a:p>
             <a:fld id="{42F1C606-C3BF-4694-8057-638B4714612D}" type="datetimeFigureOut">
               <a:rPr lang="en-US" smtClean="0"/>
-              <a:t>11/30/2023</a:t>
+              <a:t>4/7/2024</a:t>
             </a:fld>
             <a:endParaRPr lang="en-US"/>
           </a:p>
@@ -6807,7 +6807,7 @@
           <a:p>
             <a:fld id="{42F1C606-C3BF-4694-8057-638B4714612D}" type="datetimeFigureOut">
               <a:rPr lang="en-US" smtClean="0"/>
-              <a:t>11/30/2023</a:t>
+              <a:t>4/7/2024</a:t>
             </a:fld>
             <a:endParaRPr lang="en-US"/>
           </a:p>
@@ -7072,7 +7072,7 @@
           <a:p>
             <a:fld id="{42F1C606-C3BF-4694-8057-638B4714612D}" type="datetimeFigureOut">
               <a:rPr lang="en-US" smtClean="0"/>
-              <a:t>11/30/2023</a:t>
+              <a:t>4/7/2024</a:t>
             </a:fld>
             <a:endParaRPr lang="en-US"/>
           </a:p>
@@ -7484,7 +7484,7 @@
           <a:p>
             <a:fld id="{42F1C606-C3BF-4694-8057-638B4714612D}" type="datetimeFigureOut">
               <a:rPr lang="en-US" smtClean="0"/>
-              <a:t>11/30/2023</a:t>
+              <a:t>4/7/2024</a:t>
             </a:fld>
             <a:endParaRPr lang="en-US"/>
           </a:p>
@@ -7625,7 +7625,7 @@
           <a:p>
             <a:fld id="{42F1C606-C3BF-4694-8057-638B4714612D}" type="datetimeFigureOut">
               <a:rPr lang="en-US" smtClean="0"/>
-              <a:t>11/30/2023</a:t>
+              <a:t>4/7/2024</a:t>
             </a:fld>
             <a:endParaRPr lang="en-US"/>
           </a:p>
@@ -7738,7 +7738,7 @@
           <a:p>
             <a:fld id="{42F1C606-C3BF-4694-8057-638B4714612D}" type="datetimeFigureOut">
               <a:rPr lang="en-US" smtClean="0"/>
-              <a:t>11/30/2023</a:t>
+              <a:t>4/7/2024</a:t>
             </a:fld>
             <a:endParaRPr lang="en-US"/>
           </a:p>
@@ -8049,7 +8049,7 @@
           <a:p>
             <a:fld id="{42F1C606-C3BF-4694-8057-638B4714612D}" type="datetimeFigureOut">
               <a:rPr lang="en-US" smtClean="0"/>
-              <a:t>11/30/2023</a:t>
+              <a:t>4/7/2024</a:t>
             </a:fld>
             <a:endParaRPr lang="en-US"/>
           </a:p>
@@ -8337,7 +8337,7 @@
           <a:p>
             <a:fld id="{42F1C606-C3BF-4694-8057-638B4714612D}" type="datetimeFigureOut">
               <a:rPr lang="en-US" smtClean="0"/>
-              <a:t>11/30/2023</a:t>
+              <a:t>4/7/2024</a:t>
             </a:fld>
             <a:endParaRPr lang="en-US"/>
           </a:p>
@@ -8578,7 +8578,7 @@
           <a:p>
             <a:fld id="{42F1C606-C3BF-4694-8057-638B4714612D}" type="datetimeFigureOut">
               <a:rPr lang="en-US" smtClean="0"/>
-              <a:t>11/30/2023</a:t>
+              <a:t>4/7/2024</a:t>
             </a:fld>
             <a:endParaRPr lang="en-US"/>
           </a:p>
@@ -9097,14 +9097,7 @@
                 <a:effectLst/>
                 <a:latin typeface="Helvetica Neue"/>
               </a:rPr>
-              <a:t>       </a:t>
-            </a:r>
-            <a:r>
-              <a:rPr lang="en-US" sz="5400" b="1" i="0">
-                <a:effectLst/>
-                <a:latin typeface="Helvetica Neue"/>
-              </a:rPr>
-              <a:t>602 </a:t>
+              <a:t> </a:t>
             </a:r>
             <a:br>
               <a:rPr lang="en-US" sz="5400" b="1" i="0" dirty="0">
@@ -9177,15 +9170,16 @@
             <a:pPr algn="l"/>
             <a:r>
               <a:rPr lang="en-US" sz="2800" b="1" dirty="0"/>
-              <a:t>Divya Aitipamula - YK91210</a:t>
+              <a:t>Divya A</a:t>
             </a:r>
           </a:p>
           <a:p>
             <a:pPr algn="l"/>
             <a:r>
-              <a:rPr lang="en-US" sz="2800" b="1" dirty="0"/>
-              <a:t>Jyothirnayani Gurrala - YR76819 </a:t>
+              <a:rPr lang="en-US" sz="2800" b="1" dirty="0" err="1"/>
+              <a:t>Jyothirnayani</a:t>
             </a:r>
+            <a:endParaRPr lang="en-US" sz="2800" b="1" dirty="0"/>
           </a:p>
         </p:txBody>
       </p:sp>
